--- a/presentation/cv_presentation.pptx
+++ b/presentation/cv_presentation.pptx
@@ -5,10 +5,10 @@
     <p:sldMasterId id="2147483648" r:id="rId1"/>
   </p:sldMasterIdLst>
   <p:notesMasterIdLst>
-    <p:notesMasterId r:id="rId19"/>
+    <p:notesMasterId r:id="rId20"/>
   </p:notesMasterIdLst>
   <p:handoutMasterIdLst>
-    <p:handoutMasterId r:id="rId20"/>
+    <p:handoutMasterId r:id="rId21"/>
   </p:handoutMasterIdLst>
   <p:sldIdLst>
     <p:sldId id="265" r:id="rId2"/>
@@ -26,8 +26,9 @@
     <p:sldId id="275" r:id="rId14"/>
     <p:sldId id="276" r:id="rId15"/>
     <p:sldId id="286" r:id="rId16"/>
-    <p:sldId id="285" r:id="rId17"/>
-    <p:sldId id="284" r:id="rId18"/>
+    <p:sldId id="287" r:id="rId17"/>
+    <p:sldId id="285" r:id="rId18"/>
+    <p:sldId id="284" r:id="rId19"/>
   </p:sldIdLst>
   <p:sldSz cx="9144000" cy="6858000" type="screen4x3"/>
   <p:notesSz cx="6858000" cy="9144000"/>
@@ -1341,7 +1342,7 @@
               <a:pPr>
                 <a:defRPr/>
               </a:pPr>
-              <a:t>11/09/24</a:t>
+              <a:t>12/09/24</a:t>
             </a:fld>
             <a:endParaRPr lang="it-IT" altLang="it-IT" dirty="0"/>
           </a:p>
@@ -1567,7 +1568,7 @@
               <a:pPr>
                 <a:defRPr/>
               </a:pPr>
-              <a:t>11/09/24</a:t>
+              <a:t>12/09/24</a:t>
             </a:fld>
             <a:endParaRPr lang="it-IT" altLang="it-IT" dirty="0"/>
           </a:p>
@@ -1803,7 +1804,7 @@
               <a:pPr>
                 <a:defRPr/>
               </a:pPr>
-              <a:t>11/09/24</a:t>
+              <a:t>12/09/24</a:t>
             </a:fld>
             <a:endParaRPr lang="it-IT" altLang="it-IT" dirty="0"/>
           </a:p>
@@ -2095,7 +2096,7 @@
               <a:pPr>
                 <a:defRPr/>
               </a:pPr>
-              <a:t>11/09/24</a:t>
+              <a:t>12/09/24</a:t>
             </a:fld>
             <a:endParaRPr lang="it-IT" altLang="it-IT" dirty="0"/>
           </a:p>
@@ -2300,7 +2301,7 @@
               <a:pPr>
                 <a:defRPr/>
               </a:pPr>
-              <a:t>11/09/24</a:t>
+              <a:t>12/09/24</a:t>
             </a:fld>
             <a:endParaRPr lang="it-IT" altLang="it-IT" dirty="0"/>
           </a:p>
@@ -2505,7 +2506,7 @@
               <a:pPr>
                 <a:defRPr/>
               </a:pPr>
-              <a:t>11/09/24</a:t>
+              <a:t>12/09/24</a:t>
             </a:fld>
             <a:endParaRPr lang="it-IT" altLang="it-IT" dirty="0"/>
           </a:p>
@@ -2731,7 +2732,7 @@
               <a:pPr>
                 <a:defRPr/>
               </a:pPr>
-              <a:t>11/09/24</a:t>
+              <a:t>12/09/24</a:t>
             </a:fld>
             <a:endParaRPr lang="it-IT" altLang="it-IT" dirty="0"/>
           </a:p>
@@ -2980,7 +2981,7 @@
               <a:pPr>
                 <a:defRPr/>
               </a:pPr>
-              <a:t>11/09/24</a:t>
+              <a:t>12/09/24</a:t>
             </a:fld>
             <a:endParaRPr lang="it-IT" altLang="it-IT" dirty="0"/>
           </a:p>
@@ -3267,7 +3268,7 @@
               <a:pPr>
                 <a:defRPr/>
               </a:pPr>
-              <a:t>11/09/24</a:t>
+              <a:t>12/09/24</a:t>
             </a:fld>
             <a:endParaRPr lang="it-IT" altLang="it-IT" dirty="0"/>
           </a:p>
@@ -3689,7 +3690,7 @@
               <a:pPr>
                 <a:defRPr/>
               </a:pPr>
-              <a:t>11/09/24</a:t>
+              <a:t>12/09/24</a:t>
             </a:fld>
             <a:endParaRPr lang="it-IT" altLang="it-IT" dirty="0"/>
           </a:p>
@@ -3864,7 +3865,7 @@
               <a:pPr>
                 <a:defRPr/>
               </a:pPr>
-              <a:t>11/09/24</a:t>
+              <a:t>12/09/24</a:t>
             </a:fld>
             <a:endParaRPr lang="it-IT" altLang="it-IT" dirty="0"/>
           </a:p>
@@ -4017,7 +4018,7 @@
               <a:pPr>
                 <a:defRPr/>
               </a:pPr>
-              <a:t>11/09/24</a:t>
+              <a:t>12/09/24</a:t>
             </a:fld>
             <a:endParaRPr lang="it-IT" altLang="it-IT" dirty="0"/>
           </a:p>
@@ -4350,7 +4351,7 @@
               <a:pPr>
                 <a:defRPr/>
               </a:pPr>
-              <a:t>11/09/24</a:t>
+              <a:t>12/09/24</a:t>
             </a:fld>
             <a:endParaRPr lang="it-IT" altLang="it-IT" dirty="0"/>
           </a:p>
@@ -4661,7 +4662,7 @@
               <a:pPr>
                 <a:defRPr/>
               </a:pPr>
-              <a:t>11/09/24</a:t>
+              <a:t>12/09/24</a:t>
             </a:fld>
             <a:endParaRPr lang="it-IT" altLang="it-IT" dirty="0"/>
           </a:p>
@@ -5307,7 +5308,7 @@
               <a:pPr>
                 <a:defRPr/>
               </a:pPr>
-              <a:t>11/09/24</a:t>
+              <a:t>12/09/24</a:t>
             </a:fld>
             <a:endParaRPr lang="it-IT" altLang="it-IT" dirty="0"/>
           </a:p>
@@ -7007,7 +7008,7 @@
                 </a:spcAft>
                 <a:defRPr/>
               </a:pPr>
-              <a:t>9/11/24</a:t>
+              <a:t>9/12/24</a:t>
             </a:fld>
             <a:endParaRPr lang="en-US" altLang="it-IT" sz="1200">
               <a:solidFill>
@@ -7127,7 +7128,7 @@
                 <a:latin typeface="+mn-lt"/>
                 <a:ea typeface="+mn-ea"/>
               </a:rPr>
-              <a:t>/17</a:t>
+              <a:t>/18</a:t>
             </a:r>
           </a:p>
         </p:txBody>
@@ -7389,7 +7390,7 @@
                 </a:spcAft>
                 <a:defRPr/>
               </a:pPr>
-              <a:t>9/11/24</a:t>
+              <a:t>9/12/24</a:t>
             </a:fld>
             <a:endParaRPr lang="en-US" altLang="it-IT" sz="1200">
               <a:solidFill>
@@ -7509,13 +7510,13 @@
                 <a:latin typeface="+mn-lt"/>
                 <a:ea typeface="+mn-ea"/>
               </a:rPr>
-              <a:t>/17</a:t>
-            </a:r>
-          </a:p>
-        </p:txBody>
-      </p:sp>
-      <mc:AlternateContent xmlns:mc="http://schemas.openxmlformats.org/markup-compatibility/2006">
-        <mc:Choice xmlns:a14="http://schemas.microsoft.com/office/drawing/2010/main" Requires="a14">
+              <a:t>/18</a:t>
+            </a:r>
+          </a:p>
+        </p:txBody>
+      </p:sp>
+      <mc:AlternateContent xmlns:mc="http://schemas.openxmlformats.org/markup-compatibility/2006" xmlns:a14="http://schemas.microsoft.com/office/drawing/2010/main">
+        <mc:Choice Requires="a14">
           <p:sp>
             <p:nvSpPr>
               <p:cNvPr id="3" name="Segnaposto contenuto 2">
@@ -7573,16 +7574,7 @@
                             <a:rPr lang="it-IT" sz="2000" b="0" i="0">
                               <a:latin typeface="Cambria Math" panose="02040503050406030204" pitchFamily="18" charset="0"/>
                             </a:rPr>
-                            <m:t>c</m:t>
-                          </m:r>
-                          <m:r>
-                            <m:rPr>
-                              <m:sty m:val="p"/>
-                            </m:rPr>
-                            <a:rPr lang="it-IT" sz="2000" b="0" i="0">
-                              <a:latin typeface="Cambria Math" panose="02040503050406030204" pitchFamily="18" charset="0"/>
-                            </a:rPr>
-                            <m:t>orrect</m:t>
+                            <m:t>correct</m:t>
                           </m:r>
                           <m:r>
                             <a:rPr lang="it-IT" sz="2000" b="0" i="0">
@@ -7654,7 +7646,7 @@
                       <m:f>
                         <m:fPr>
                           <m:ctrlPr>
-                            <a:rPr lang="en-GB" sz="2000">
+                            <a:rPr lang="en-GB" sz="2000" i="1">
                               <a:latin typeface="Cambria Math" panose="02040503050406030204" pitchFamily="18" charset="0"/>
                             </a:rPr>
                           </m:ctrlPr>
@@ -7784,7 +7776,7 @@
             </p:txBody>
           </p:sp>
         </mc:Choice>
-        <mc:Fallback>
+        <mc:Fallback xmlns="">
           <p:sp>
             <p:nvSpPr>
               <p:cNvPr id="3" name="Segnaposto contenuto 2">
@@ -8034,7 +8026,7 @@
                 </a:spcAft>
                 <a:defRPr/>
               </a:pPr>
-              <a:t>9/11/24</a:t>
+              <a:t>9/12/24</a:t>
             </a:fld>
             <a:endParaRPr lang="en-US" altLang="it-IT" sz="1200">
               <a:solidFill>
@@ -8154,13 +8146,13 @@
                 <a:latin typeface="+mn-lt"/>
                 <a:ea typeface="+mn-ea"/>
               </a:rPr>
-              <a:t>/17</a:t>
-            </a:r>
-          </a:p>
-        </p:txBody>
-      </p:sp>
-      <mc:AlternateContent xmlns:mc="http://schemas.openxmlformats.org/markup-compatibility/2006">
-        <mc:Choice xmlns:a14="http://schemas.microsoft.com/office/drawing/2010/main" Requires="a14">
+              <a:t>/18</a:t>
+            </a:r>
+          </a:p>
+        </p:txBody>
+      </p:sp>
+      <mc:AlternateContent xmlns:mc="http://schemas.openxmlformats.org/markup-compatibility/2006" xmlns:a14="http://schemas.microsoft.com/office/drawing/2010/main">
+        <mc:Choice Requires="a14">
           <p:sp>
             <p:nvSpPr>
               <p:cNvPr id="3" name="Segnaposto contenuto 2">
@@ -8582,7 +8574,7 @@
             </p:txBody>
           </p:sp>
         </mc:Choice>
-        <mc:Fallback>
+        <mc:Fallback xmlns="">
           <p:sp>
             <p:nvSpPr>
               <p:cNvPr id="3" name="Segnaposto contenuto 2">
@@ -8824,7 +8816,7 @@
                 </a:spcAft>
                 <a:defRPr/>
               </a:pPr>
-              <a:t>9/11/24</a:t>
+              <a:t>9/12/24</a:t>
             </a:fld>
             <a:endParaRPr lang="en-US" altLang="it-IT" sz="1200">
               <a:solidFill>
@@ -8944,7 +8936,7 @@
                 <a:latin typeface="+mn-lt"/>
                 <a:ea typeface="+mn-ea"/>
               </a:rPr>
-              <a:t>/17</a:t>
+              <a:t>/18</a:t>
             </a:r>
           </a:p>
         </p:txBody>
@@ -9210,7 +9202,7 @@
                 </a:spcAft>
                 <a:defRPr/>
               </a:pPr>
-              <a:t>9/11/24</a:t>
+              <a:t>9/12/24</a:t>
             </a:fld>
             <a:endParaRPr lang="en-US" altLang="it-IT" sz="1200">
               <a:solidFill>
@@ -9330,7 +9322,7 @@
                 <a:latin typeface="+mn-lt"/>
                 <a:ea typeface="+mn-ea"/>
               </a:rPr>
-              <a:t>/17</a:t>
+              <a:t>/18</a:t>
             </a:r>
           </a:p>
         </p:txBody>
@@ -9569,7 +9561,7 @@
                 </a:spcAft>
                 <a:defRPr/>
               </a:pPr>
-              <a:t>9/11/24</a:t>
+              <a:t>9/12/24</a:t>
             </a:fld>
             <a:endParaRPr lang="en-US" altLang="it-IT" sz="1200">
               <a:solidFill>
@@ -9689,7 +9681,7 @@
                 <a:latin typeface="+mn-lt"/>
                 <a:ea typeface="+mn-ea"/>
               </a:rPr>
-              <a:t>/17</a:t>
+              <a:t>/18</a:t>
             </a:r>
           </a:p>
         </p:txBody>
@@ -9709,14 +9701,14 @@
           <p:nvPr>
             <p:extLst>
               <p:ext uri="{D42A27DB-BD31-4B8C-83A1-F6EECF244321}">
-                <p14:modId xmlns:p14="http://schemas.microsoft.com/office/powerpoint/2010/main" val="3482963250"/>
+                <p14:modId xmlns:p14="http://schemas.microsoft.com/office/powerpoint/2010/main" val="3804741138"/>
               </p:ext>
             </p:extLst>
           </p:nvPr>
         </p:nvGraphicFramePr>
         <p:xfrm>
-          <a:off x="827584" y="2152752"/>
-          <a:ext cx="7687765" cy="2068335"/>
+          <a:off x="1079613" y="1968802"/>
+          <a:ext cx="7020780" cy="1645920"/>
         </p:xfrm>
         <a:graphic>
           <a:graphicData uri="http://schemas.openxmlformats.org/drawingml/2006/table">
@@ -9725,35 +9717,35 @@
                 <a:tableStyleId>{5C22544A-7EE6-4342-B048-85BDC9FD1C3A}</a:tableStyleId>
               </a:tblPr>
               <a:tblGrid>
-                <a:gridCol w="1537553">
+                <a:gridCol w="1404156">
                   <a:extLst>
                     <a:ext uri="{9D8B030D-6E8A-4147-A177-3AD203B41FA5}">
                       <a16:colId xmlns:a16="http://schemas.microsoft.com/office/drawing/2014/main" val="2514688688"/>
                     </a:ext>
                   </a:extLst>
                 </a:gridCol>
-                <a:gridCol w="1537553">
+                <a:gridCol w="1404156">
                   <a:extLst>
                     <a:ext uri="{9D8B030D-6E8A-4147-A177-3AD203B41FA5}">
                       <a16:colId xmlns:a16="http://schemas.microsoft.com/office/drawing/2014/main" val="3764334999"/>
                     </a:ext>
                   </a:extLst>
                 </a:gridCol>
-                <a:gridCol w="1537553">
+                <a:gridCol w="1404156">
                   <a:extLst>
                     <a:ext uri="{9D8B030D-6E8A-4147-A177-3AD203B41FA5}">
                       <a16:colId xmlns:a16="http://schemas.microsoft.com/office/drawing/2014/main" val="2000751870"/>
                     </a:ext>
                   </a:extLst>
                 </a:gridCol>
-                <a:gridCol w="1537553">
+                <a:gridCol w="1404156">
                   <a:extLst>
                     <a:ext uri="{9D8B030D-6E8A-4147-A177-3AD203B41FA5}">
                       <a16:colId xmlns:a16="http://schemas.microsoft.com/office/drawing/2014/main" val="1878256642"/>
                     </a:ext>
                   </a:extLst>
                 </a:gridCol>
-                <a:gridCol w="1537553">
+                <a:gridCol w="1404156">
                   <a:extLst>
                     <a:ext uri="{9D8B030D-6E8A-4147-A177-3AD203B41FA5}">
                       <a16:colId xmlns:a16="http://schemas.microsoft.com/office/drawing/2014/main" val="3534997689"/>
@@ -9761,7 +9753,7 @@
                   </a:extLst>
                 </a:gridCol>
               </a:tblGrid>
-              <a:tr h="692274">
+              <a:tr h="460805">
                 <a:tc>
                   <a:txBody>
                     <a:bodyPr/>
@@ -9838,7 +9830,7 @@
                   </a:ext>
                 </a:extLst>
               </a:tr>
-              <a:tr h="826647">
+              <a:tr h="460805">
                 <a:tc>
                   <a:txBody>
                     <a:bodyPr/>
@@ -9914,7 +9906,7 @@
                   </a:ext>
                 </a:extLst>
               </a:tr>
-              <a:tr h="549414">
+              <a:tr h="322564">
                 <a:tc>
                   <a:txBody>
                     <a:bodyPr/>
@@ -9994,6 +9986,513 @@
           </a:graphicData>
         </a:graphic>
       </p:graphicFrame>
+      <p:graphicFrame>
+        <p:nvGraphicFramePr>
+          <p:cNvPr id="3" name="Tabella 2">
+            <a:extLst>
+              <a:ext uri="{FF2B5EF4-FFF2-40B4-BE49-F238E27FC236}">
+                <a16:creationId xmlns:a16="http://schemas.microsoft.com/office/drawing/2014/main" id="{987C19D8-27A0-1FF0-4EE7-9CE8922F5EB9}"/>
+              </a:ext>
+            </a:extLst>
+          </p:cNvPr>
+          <p:cNvGraphicFramePr>
+            <a:graphicFrameLocks noGrp="1"/>
+          </p:cNvGraphicFramePr>
+          <p:nvPr>
+            <p:extLst>
+              <p:ext uri="{D42A27DB-BD31-4B8C-83A1-F6EECF244321}">
+                <p14:modId xmlns:p14="http://schemas.microsoft.com/office/powerpoint/2010/main" val="4161984694"/>
+              </p:ext>
+            </p:extLst>
+          </p:nvPr>
+        </p:nvGraphicFramePr>
+        <p:xfrm>
+          <a:off x="1998127" y="4129931"/>
+          <a:ext cx="5147745" cy="1645921"/>
+        </p:xfrm>
+        <a:graphic>
+          <a:graphicData uri="http://schemas.openxmlformats.org/drawingml/2006/table">
+            <a:tbl>
+              <a:tblPr firstRow="1" bandRow="1">
+                <a:tableStyleId>{5C22544A-7EE6-4342-B048-85BDC9FD1C3A}</a:tableStyleId>
+              </a:tblPr>
+              <a:tblGrid>
+                <a:gridCol w="1715915">
+                  <a:extLst>
+                    <a:ext uri="{9D8B030D-6E8A-4147-A177-3AD203B41FA5}">
+                      <a16:colId xmlns:a16="http://schemas.microsoft.com/office/drawing/2014/main" val="2474272022"/>
+                    </a:ext>
+                  </a:extLst>
+                </a:gridCol>
+                <a:gridCol w="1715915">
+                  <a:extLst>
+                    <a:ext uri="{9D8B030D-6E8A-4147-A177-3AD203B41FA5}">
+                      <a16:colId xmlns:a16="http://schemas.microsoft.com/office/drawing/2014/main" val="3948619220"/>
+                    </a:ext>
+                  </a:extLst>
+                </a:gridCol>
+                <a:gridCol w="1715915">
+                  <a:extLst>
+                    <a:ext uri="{9D8B030D-6E8A-4147-A177-3AD203B41FA5}">
+                      <a16:colId xmlns:a16="http://schemas.microsoft.com/office/drawing/2014/main" val="2101787288"/>
+                    </a:ext>
+                  </a:extLst>
+                </a:gridCol>
+              </a:tblGrid>
+              <a:tr h="555389">
+                <a:tc>
+                  <a:txBody>
+                    <a:bodyPr/>
+                    <a:lstStyle/>
+                    <a:p>
+                      <a:pPr algn="ctr"/>
+                      <a:endParaRPr lang="en-GB">
+                        <a:solidFill>
+                          <a:srgbClr val="000000"/>
+                        </a:solidFill>
+                      </a:endParaRPr>
+                    </a:p>
+                  </a:txBody>
+                  <a:tcPr>
+                    <a:gradFill>
+                      <a:gsLst>
+                        <a:gs pos="0">
+                          <a:schemeClr val="accent1">
+                            <a:lumMod val="5000"/>
+                            <a:lumOff val="95000"/>
+                          </a:schemeClr>
+                        </a:gs>
+                        <a:gs pos="74000">
+                          <a:schemeClr val="accent1">
+                            <a:lumMod val="45000"/>
+                            <a:lumOff val="55000"/>
+                          </a:schemeClr>
+                        </a:gs>
+                        <a:gs pos="83000">
+                          <a:schemeClr val="accent1">
+                            <a:lumMod val="45000"/>
+                            <a:lumOff val="55000"/>
+                          </a:schemeClr>
+                        </a:gs>
+                        <a:gs pos="100000">
+                          <a:schemeClr val="accent1">
+                            <a:lumMod val="30000"/>
+                            <a:lumOff val="70000"/>
+                          </a:schemeClr>
+                        </a:gs>
+                      </a:gsLst>
+                      <a:lin ang="5400000" scaled="1"/>
+                    </a:gradFill>
+                  </a:tcPr>
+                </a:tc>
+                <a:tc>
+                  <a:txBody>
+                    <a:bodyPr/>
+                    <a:lstStyle/>
+                    <a:p>
+                      <a:pPr algn="ctr"/>
+                      <a:r>
+                        <a:rPr lang="en-GB">
+                          <a:solidFill>
+                            <a:srgbClr val="000000"/>
+                          </a:solidFill>
+                        </a:rPr>
+                        <a:t>Predicted NC</a:t>
+                      </a:r>
+                    </a:p>
+                  </a:txBody>
+                  <a:tcPr>
+                    <a:gradFill>
+                      <a:gsLst>
+                        <a:gs pos="0">
+                          <a:schemeClr val="accent1">
+                            <a:lumMod val="5000"/>
+                            <a:lumOff val="95000"/>
+                          </a:schemeClr>
+                        </a:gs>
+                        <a:gs pos="74000">
+                          <a:schemeClr val="accent1">
+                            <a:lumMod val="45000"/>
+                            <a:lumOff val="55000"/>
+                          </a:schemeClr>
+                        </a:gs>
+                        <a:gs pos="83000">
+                          <a:schemeClr val="accent1">
+                            <a:lumMod val="45000"/>
+                            <a:lumOff val="55000"/>
+                          </a:schemeClr>
+                        </a:gs>
+                        <a:gs pos="100000">
+                          <a:schemeClr val="accent1">
+                            <a:lumMod val="30000"/>
+                            <a:lumOff val="70000"/>
+                          </a:schemeClr>
+                        </a:gs>
+                      </a:gsLst>
+                      <a:lin ang="5400000" scaled="1"/>
+                    </a:gradFill>
+                  </a:tcPr>
+                </a:tc>
+                <a:tc>
+                  <a:txBody>
+                    <a:bodyPr/>
+                    <a:lstStyle/>
+                    <a:p>
+                      <a:pPr algn="ctr"/>
+                      <a:r>
+                        <a:rPr lang="en-GB">
+                          <a:solidFill>
+                            <a:srgbClr val="000000"/>
+                          </a:solidFill>
+                        </a:rPr>
+                        <a:t>Predicted C</a:t>
+                      </a:r>
+                    </a:p>
+                  </a:txBody>
+                  <a:tcPr>
+                    <a:gradFill>
+                      <a:gsLst>
+                        <a:gs pos="0">
+                          <a:schemeClr val="accent1">
+                            <a:lumMod val="5000"/>
+                            <a:lumOff val="95000"/>
+                          </a:schemeClr>
+                        </a:gs>
+                        <a:gs pos="74000">
+                          <a:schemeClr val="accent1">
+                            <a:lumMod val="45000"/>
+                            <a:lumOff val="55000"/>
+                          </a:schemeClr>
+                        </a:gs>
+                        <a:gs pos="83000">
+                          <a:schemeClr val="accent1">
+                            <a:lumMod val="45000"/>
+                            <a:lumOff val="55000"/>
+                          </a:schemeClr>
+                        </a:gs>
+                        <a:gs pos="100000">
+                          <a:schemeClr val="accent1">
+                            <a:lumMod val="30000"/>
+                            <a:lumOff val="70000"/>
+                          </a:schemeClr>
+                        </a:gs>
+                      </a:gsLst>
+                      <a:lin ang="5400000" scaled="1"/>
+                    </a:gradFill>
+                  </a:tcPr>
+                </a:tc>
+                <a:extLst>
+                  <a:ext uri="{0D108BD9-81ED-4DB2-BD59-A6C34878D82A}">
+                    <a16:rowId xmlns:a16="http://schemas.microsoft.com/office/drawing/2014/main" val="233613260"/>
+                  </a:ext>
+                </a:extLst>
+              </a:tr>
+              <a:tr h="545266">
+                <a:tc>
+                  <a:txBody>
+                    <a:bodyPr/>
+                    <a:lstStyle/>
+                    <a:p>
+                      <a:pPr algn="ctr"/>
+                      <a:r>
+                        <a:rPr lang="en-GB">
+                          <a:solidFill>
+                            <a:srgbClr val="000000"/>
+                          </a:solidFill>
+                        </a:rPr>
+                        <a:t>Actual NC</a:t>
+                      </a:r>
+                    </a:p>
+                  </a:txBody>
+                  <a:tcPr>
+                    <a:gradFill>
+                      <a:gsLst>
+                        <a:gs pos="0">
+                          <a:schemeClr val="accent1">
+                            <a:lumMod val="5000"/>
+                            <a:lumOff val="95000"/>
+                          </a:schemeClr>
+                        </a:gs>
+                        <a:gs pos="74000">
+                          <a:schemeClr val="accent1">
+                            <a:lumMod val="45000"/>
+                            <a:lumOff val="55000"/>
+                          </a:schemeClr>
+                        </a:gs>
+                        <a:gs pos="83000">
+                          <a:schemeClr val="accent1">
+                            <a:lumMod val="45000"/>
+                            <a:lumOff val="55000"/>
+                          </a:schemeClr>
+                        </a:gs>
+                        <a:gs pos="100000">
+                          <a:schemeClr val="accent1">
+                            <a:lumMod val="30000"/>
+                            <a:lumOff val="70000"/>
+                          </a:schemeClr>
+                        </a:gs>
+                      </a:gsLst>
+                      <a:lin ang="5400000" scaled="1"/>
+                    </a:gradFill>
+                  </a:tcPr>
+                </a:tc>
+                <a:tc>
+                  <a:txBody>
+                    <a:bodyPr/>
+                    <a:lstStyle/>
+                    <a:p>
+                      <a:pPr algn="ctr"/>
+                      <a:r>
+                        <a:rPr lang="en-GB">
+                          <a:solidFill>
+                            <a:srgbClr val="000000"/>
+                          </a:solidFill>
+                        </a:rPr>
+                        <a:t>51</a:t>
+                      </a:r>
+                    </a:p>
+                  </a:txBody>
+                  <a:tcPr>
+                    <a:gradFill>
+                      <a:gsLst>
+                        <a:gs pos="0">
+                          <a:schemeClr val="accent1">
+                            <a:lumMod val="5000"/>
+                            <a:lumOff val="95000"/>
+                          </a:schemeClr>
+                        </a:gs>
+                        <a:gs pos="74000">
+                          <a:schemeClr val="accent1">
+                            <a:lumMod val="45000"/>
+                            <a:lumOff val="55000"/>
+                          </a:schemeClr>
+                        </a:gs>
+                        <a:gs pos="83000">
+                          <a:schemeClr val="accent1">
+                            <a:lumMod val="45000"/>
+                            <a:lumOff val="55000"/>
+                          </a:schemeClr>
+                        </a:gs>
+                        <a:gs pos="100000">
+                          <a:schemeClr val="accent1">
+                            <a:lumMod val="30000"/>
+                            <a:lumOff val="70000"/>
+                          </a:schemeClr>
+                        </a:gs>
+                      </a:gsLst>
+                      <a:lin ang="5400000" scaled="1"/>
+                    </a:gradFill>
+                  </a:tcPr>
+                </a:tc>
+                <a:tc>
+                  <a:txBody>
+                    <a:bodyPr/>
+                    <a:lstStyle/>
+                    <a:p>
+                      <a:pPr algn="ctr"/>
+                      <a:r>
+                        <a:rPr lang="en-GB">
+                          <a:solidFill>
+                            <a:srgbClr val="000000"/>
+                          </a:solidFill>
+                        </a:rPr>
+                        <a:t>3</a:t>
+                      </a:r>
+                    </a:p>
+                  </a:txBody>
+                  <a:tcPr>
+                    <a:gradFill>
+                      <a:gsLst>
+                        <a:gs pos="0">
+                          <a:schemeClr val="accent1">
+                            <a:lumMod val="5000"/>
+                            <a:lumOff val="95000"/>
+                          </a:schemeClr>
+                        </a:gs>
+                        <a:gs pos="74000">
+                          <a:schemeClr val="accent1">
+                            <a:lumMod val="45000"/>
+                            <a:lumOff val="55000"/>
+                          </a:schemeClr>
+                        </a:gs>
+                        <a:gs pos="83000">
+                          <a:schemeClr val="accent1">
+                            <a:lumMod val="45000"/>
+                            <a:lumOff val="55000"/>
+                          </a:schemeClr>
+                        </a:gs>
+                        <a:gs pos="100000">
+                          <a:schemeClr val="accent1">
+                            <a:lumMod val="30000"/>
+                            <a:lumOff val="70000"/>
+                          </a:schemeClr>
+                        </a:gs>
+                      </a:gsLst>
+                      <a:lin ang="5400000" scaled="1"/>
+                    </a:gradFill>
+                  </a:tcPr>
+                </a:tc>
+                <a:extLst>
+                  <a:ext uri="{0D108BD9-81ED-4DB2-BD59-A6C34878D82A}">
+                    <a16:rowId xmlns:a16="http://schemas.microsoft.com/office/drawing/2014/main" val="1895505134"/>
+                  </a:ext>
+                </a:extLst>
+              </a:tr>
+              <a:tr h="545266">
+                <a:tc>
+                  <a:txBody>
+                    <a:bodyPr/>
+                    <a:lstStyle/>
+                    <a:p>
+                      <a:pPr algn="ctr"/>
+                      <a:r>
+                        <a:rPr lang="en-GB">
+                          <a:solidFill>
+                            <a:srgbClr val="000000"/>
+                          </a:solidFill>
+                        </a:rPr>
+                        <a:t>Actual C</a:t>
+                      </a:r>
+                    </a:p>
+                  </a:txBody>
+                  <a:tcPr>
+                    <a:gradFill>
+                      <a:gsLst>
+                        <a:gs pos="0">
+                          <a:schemeClr val="accent1">
+                            <a:lumMod val="5000"/>
+                            <a:lumOff val="95000"/>
+                          </a:schemeClr>
+                        </a:gs>
+                        <a:gs pos="74000">
+                          <a:schemeClr val="accent1">
+                            <a:lumMod val="45000"/>
+                            <a:lumOff val="55000"/>
+                          </a:schemeClr>
+                        </a:gs>
+                        <a:gs pos="83000">
+                          <a:schemeClr val="accent1">
+                            <a:lumMod val="45000"/>
+                            <a:lumOff val="55000"/>
+                          </a:schemeClr>
+                        </a:gs>
+                        <a:gs pos="100000">
+                          <a:schemeClr val="accent1">
+                            <a:lumMod val="30000"/>
+                            <a:lumOff val="70000"/>
+                          </a:schemeClr>
+                        </a:gs>
+                      </a:gsLst>
+                      <a:lin ang="5400000" scaled="1"/>
+                    </a:gradFill>
+                  </a:tcPr>
+                </a:tc>
+                <a:tc>
+                  <a:txBody>
+                    <a:bodyPr/>
+                    <a:lstStyle/>
+                    <a:p>
+                      <a:pPr algn="ctr"/>
+                      <a:r>
+                        <a:rPr lang="en-GB">
+                          <a:solidFill>
+                            <a:srgbClr val="000000"/>
+                          </a:solidFill>
+                        </a:rPr>
+                        <a:t>12</a:t>
+                      </a:r>
+                    </a:p>
+                  </a:txBody>
+                  <a:tcPr>
+                    <a:gradFill>
+                      <a:gsLst>
+                        <a:gs pos="0">
+                          <a:schemeClr val="accent1">
+                            <a:lumMod val="5000"/>
+                            <a:lumOff val="95000"/>
+                          </a:schemeClr>
+                        </a:gs>
+                        <a:gs pos="74000">
+                          <a:schemeClr val="accent1">
+                            <a:lumMod val="45000"/>
+                            <a:lumOff val="55000"/>
+                          </a:schemeClr>
+                        </a:gs>
+                        <a:gs pos="83000">
+                          <a:schemeClr val="accent1">
+                            <a:lumMod val="45000"/>
+                            <a:lumOff val="55000"/>
+                          </a:schemeClr>
+                        </a:gs>
+                        <a:gs pos="100000">
+                          <a:schemeClr val="accent1">
+                            <a:lumMod val="30000"/>
+                            <a:lumOff val="70000"/>
+                          </a:schemeClr>
+                        </a:gs>
+                      </a:gsLst>
+                      <a:lin ang="5400000" scaled="1"/>
+                    </a:gradFill>
+                  </a:tcPr>
+                </a:tc>
+                <a:tc>
+                  <a:txBody>
+                    <a:bodyPr/>
+                    <a:lstStyle/>
+                    <a:p>
+                      <a:pPr algn="ctr"/>
+                      <a:r>
+                        <a:rPr lang="en-GB">
+                          <a:solidFill>
+                            <a:srgbClr val="000000"/>
+                          </a:solidFill>
+                        </a:rPr>
+                        <a:t>5</a:t>
+                      </a:r>
+                    </a:p>
+                  </a:txBody>
+                  <a:tcPr>
+                    <a:gradFill>
+                      <a:gsLst>
+                        <a:gs pos="0">
+                          <a:schemeClr val="accent1">
+                            <a:lumMod val="5000"/>
+                            <a:lumOff val="95000"/>
+                          </a:schemeClr>
+                        </a:gs>
+                        <a:gs pos="74000">
+                          <a:schemeClr val="accent1">
+                            <a:lumMod val="45000"/>
+                            <a:lumOff val="55000"/>
+                          </a:schemeClr>
+                        </a:gs>
+                        <a:gs pos="83000">
+                          <a:schemeClr val="accent1">
+                            <a:lumMod val="45000"/>
+                            <a:lumOff val="55000"/>
+                          </a:schemeClr>
+                        </a:gs>
+                        <a:gs pos="100000">
+                          <a:schemeClr val="accent1">
+                            <a:lumMod val="30000"/>
+                            <a:lumOff val="70000"/>
+                          </a:schemeClr>
+                        </a:gs>
+                      </a:gsLst>
+                      <a:lin ang="5400000" scaled="1"/>
+                    </a:gradFill>
+                  </a:tcPr>
+                </a:tc>
+                <a:extLst>
+                  <a:ext uri="{0D108BD9-81ED-4DB2-BD59-A6C34878D82A}">
+                    <a16:rowId xmlns:a16="http://schemas.microsoft.com/office/drawing/2014/main" val="1026301536"/>
+                  </a:ext>
+                </a:extLst>
+              </a:tr>
+            </a:tbl>
+          </a:graphicData>
+        </a:graphic>
+      </p:graphicFrame>
     </p:spTree>
     <p:extLst>
       <p:ext uri="{BB962C8B-B14F-4D97-AF65-F5344CB8AC3E}">
@@ -10137,7 +10636,7 @@
                 <a:ea typeface="+mj-ea"/>
                 <a:cs typeface="+mj-cs"/>
               </a:rPr>
-              <a:t>Conclusion</a:t>
+              <a:t>Results</a:t>
             </a:r>
           </a:p>
         </p:txBody>
@@ -10192,7 +10691,7 @@
                 </a:spcAft>
                 <a:defRPr/>
               </a:pPr>
-              <a:t>9/11/24</a:t>
+              <a:t>9/12/24</a:t>
             </a:fld>
             <a:endParaRPr lang="en-US" altLang="it-IT" sz="1200">
               <a:solidFill>
@@ -10312,91 +10811,424 @@
                 <a:latin typeface="+mn-lt"/>
                 <a:ea typeface="+mn-ea"/>
               </a:rPr>
-              <a:t>/17</a:t>
-            </a:r>
-          </a:p>
-        </p:txBody>
-      </p:sp>
-      <p:sp>
-        <p:nvSpPr>
-          <p:cNvPr id="3" name="Segnaposto contenuto 2">
-            <a:extLst>
-              <a:ext uri="{FF2B5EF4-FFF2-40B4-BE49-F238E27FC236}">
-                <a16:creationId xmlns:a16="http://schemas.microsoft.com/office/drawing/2014/main" id="{8C5AA56B-B587-9CE2-636B-92D6E407BE46}"/>
-              </a:ext>
-            </a:extLst>
-          </p:cNvPr>
-          <p:cNvSpPr>
-            <a:spLocks noGrp="1"/>
-          </p:cNvSpPr>
-          <p:nvPr>
-            <p:ph sz="half" idx="2"/>
-          </p:nvPr>
-        </p:nvSpPr>
-        <p:spPr>
-          <a:xfrm>
-            <a:off x="628650" y="1556792"/>
-            <a:ext cx="8263831" cy="4104456"/>
-          </a:xfrm>
-        </p:spPr>
-        <p:txBody>
-          <a:bodyPr/>
-          <a:lstStyle/>
-          <a:p>
-            <a:r>
-              <a:rPr lang="it-IT" sz="2000" b="0" i="0" u="none" strike="noStrike">
-                <a:solidFill>
-                  <a:srgbClr val="000000"/>
-                </a:solidFill>
-                <a:effectLst/>
-                <a:latin typeface="+mj-lt"/>
-              </a:rPr>
-              <a:t>Based on the results, we can conclude that the model performs poorly on positive labels due to significant overfitting, as demonstrated by the Losses. Despite applying regularization techniques such as L2 norm penalization, Dropout, and Data Augmentation, the issue persists, likely due to the limited number of samples extracted in my work, which is insufficient given the large request of data by the implemented model.</a:t>
-            </a:r>
-          </a:p>
-          <a:p>
-            <a:endParaRPr lang="it-IT" sz="2000">
-              <a:latin typeface="+mj-lt"/>
-            </a:endParaRPr>
-          </a:p>
-          <a:p>
-            <a:r>
-              <a:rPr lang="it-IT" sz="2000" b="0" i="0" u="none" strike="noStrike">
-                <a:solidFill>
-                  <a:srgbClr val="000000"/>
-                </a:solidFill>
-                <a:effectLst/>
-                <a:latin typeface="+mj-lt"/>
-              </a:rPr>
-              <a:t>Overfitting appears to be the primary reason for the poor performance.</a:t>
-            </a:r>
-          </a:p>
-          <a:p>
-            <a:endParaRPr lang="en-GB" sz="2000">
-              <a:latin typeface="+mj-lt"/>
-            </a:endParaRPr>
-          </a:p>
-          <a:p>
-            <a:r>
-              <a:rPr lang="it-IT" sz="2000" b="0" i="0" u="none" strike="noStrike">
-                <a:solidFill>
-                  <a:srgbClr val="000000"/>
-                </a:solidFill>
-                <a:effectLst/>
-                <a:latin typeface="+mj-lt"/>
-              </a:rPr>
-              <a:t>Although i wanted to use cross-validation to perform a more reliable evaluation, it is impractical to apply it to this dataset given my available resources.</a:t>
-            </a:r>
-            <a:endParaRPr lang="en-GB" sz="2000">
-              <a:latin typeface="+mj-lt"/>
-            </a:endParaRPr>
-          </a:p>
-        </p:txBody>
-      </p:sp>
+              <a:t>/18</a:t>
+            </a:r>
+          </a:p>
+        </p:txBody>
+      </p:sp>
+      <p:graphicFrame>
+        <p:nvGraphicFramePr>
+          <p:cNvPr id="9" name="Tabella 8">
+            <a:extLst>
+              <a:ext uri="{FF2B5EF4-FFF2-40B4-BE49-F238E27FC236}">
+                <a16:creationId xmlns:a16="http://schemas.microsoft.com/office/drawing/2014/main" id="{C4AFF9B6-77B2-C2AA-524E-B9B65A0845D9}"/>
+              </a:ext>
+            </a:extLst>
+          </p:cNvPr>
+          <p:cNvGraphicFramePr>
+            <a:graphicFrameLocks noGrp="1"/>
+          </p:cNvGraphicFramePr>
+          <p:nvPr>
+            <p:extLst>
+              <p:ext uri="{D42A27DB-BD31-4B8C-83A1-F6EECF244321}">
+                <p14:modId xmlns:p14="http://schemas.microsoft.com/office/powerpoint/2010/main" val="1037275632"/>
+              </p:ext>
+            </p:extLst>
+          </p:nvPr>
+        </p:nvGraphicFramePr>
+        <p:xfrm>
+          <a:off x="459339" y="2547710"/>
+          <a:ext cx="8225322" cy="1762579"/>
+        </p:xfrm>
+        <a:graphic>
+          <a:graphicData uri="http://schemas.openxmlformats.org/drawingml/2006/table">
+            <a:tbl>
+              <a:tblPr firstRow="1" bandRow="1">
+                <a:tableStyleId>{5C22544A-7EE6-4342-B048-85BDC9FD1C3A}</a:tableStyleId>
+              </a:tblPr>
+              <a:tblGrid>
+                <a:gridCol w="1370887">
+                  <a:extLst>
+                    <a:ext uri="{9D8B030D-6E8A-4147-A177-3AD203B41FA5}">
+                      <a16:colId xmlns:a16="http://schemas.microsoft.com/office/drawing/2014/main" val="2514688688"/>
+                    </a:ext>
+                  </a:extLst>
+                </a:gridCol>
+                <a:gridCol w="1370887">
+                  <a:extLst>
+                    <a:ext uri="{9D8B030D-6E8A-4147-A177-3AD203B41FA5}">
+                      <a16:colId xmlns:a16="http://schemas.microsoft.com/office/drawing/2014/main" val="270258155"/>
+                    </a:ext>
+                  </a:extLst>
+                </a:gridCol>
+                <a:gridCol w="1370887">
+                  <a:extLst>
+                    <a:ext uri="{9D8B030D-6E8A-4147-A177-3AD203B41FA5}">
+                      <a16:colId xmlns:a16="http://schemas.microsoft.com/office/drawing/2014/main" val="3764334999"/>
+                    </a:ext>
+                  </a:extLst>
+                </a:gridCol>
+                <a:gridCol w="1370887">
+                  <a:extLst>
+                    <a:ext uri="{9D8B030D-6E8A-4147-A177-3AD203B41FA5}">
+                      <a16:colId xmlns:a16="http://schemas.microsoft.com/office/drawing/2014/main" val="2000751870"/>
+                    </a:ext>
+                  </a:extLst>
+                </a:gridCol>
+                <a:gridCol w="1370887">
+                  <a:extLst>
+                    <a:ext uri="{9D8B030D-6E8A-4147-A177-3AD203B41FA5}">
+                      <a16:colId xmlns:a16="http://schemas.microsoft.com/office/drawing/2014/main" val="1878256642"/>
+                    </a:ext>
+                  </a:extLst>
+                </a:gridCol>
+                <a:gridCol w="1370887">
+                  <a:extLst>
+                    <a:ext uri="{9D8B030D-6E8A-4147-A177-3AD203B41FA5}">
+                      <a16:colId xmlns:a16="http://schemas.microsoft.com/office/drawing/2014/main" val="3534997689"/>
+                    </a:ext>
+                  </a:extLst>
+                </a:gridCol>
+              </a:tblGrid>
+              <a:tr h="822537">
+                <a:tc>
+                  <a:txBody>
+                    <a:bodyPr/>
+                    <a:lstStyle/>
+                    <a:p>
+                      <a:pPr algn="ctr"/>
+                      <a:r>
+                        <a:rPr lang="en-GB"/>
+                        <a:t>Model</a:t>
+                      </a:r>
+                    </a:p>
+                  </a:txBody>
+                  <a:tcPr/>
+                </a:tc>
+                <a:tc>
+                  <a:txBody>
+                    <a:bodyPr/>
+                    <a:lstStyle/>
+                    <a:p>
+                      <a:pPr algn="ctr"/>
+                      <a:r>
+                        <a:rPr lang="en-GB"/>
+                        <a:t>Global context</a:t>
+                      </a:r>
+                    </a:p>
+                  </a:txBody>
+                  <a:tcPr/>
+                </a:tc>
+                <a:tc>
+                  <a:txBody>
+                    <a:bodyPr/>
+                    <a:lstStyle/>
+                    <a:p>
+                      <a:pPr algn="ctr"/>
+                      <a:r>
+                        <a:rPr lang="en-GB"/>
+                        <a:t>Precision</a:t>
+                      </a:r>
+                    </a:p>
+                  </a:txBody>
+                  <a:tcPr/>
+                </a:tc>
+                <a:tc>
+                  <a:txBody>
+                    <a:bodyPr/>
+                    <a:lstStyle/>
+                    <a:p>
+                      <a:pPr algn="ctr"/>
+                      <a:r>
+                        <a:rPr lang="en-GB"/>
+                        <a:t>Recall</a:t>
+                      </a:r>
+                    </a:p>
+                  </a:txBody>
+                  <a:tcPr/>
+                </a:tc>
+                <a:tc>
+                  <a:txBody>
+                    <a:bodyPr/>
+                    <a:lstStyle/>
+                    <a:p>
+                      <a:pPr algn="ctr"/>
+                      <a:r>
+                        <a:rPr lang="en-GB"/>
+                        <a:t>F1-score</a:t>
+                      </a:r>
+                    </a:p>
+                  </a:txBody>
+                  <a:tcPr/>
+                </a:tc>
+                <a:tc>
+                  <a:txBody>
+                    <a:bodyPr/>
+                    <a:lstStyle/>
+                    <a:p>
+                      <a:pPr algn="ctr"/>
+                      <a:r>
+                        <a:rPr lang="en-GB"/>
+                        <a:t>Dataset</a:t>
+                      </a:r>
+                    </a:p>
+                  </a:txBody>
+                  <a:tcPr/>
+                </a:tc>
+                <a:extLst>
+                  <a:ext uri="{0D108BD9-81ED-4DB2-BD59-A6C34878D82A}">
+                    <a16:rowId xmlns:a16="http://schemas.microsoft.com/office/drawing/2014/main" val="2051497606"/>
+                  </a:ext>
+                </a:extLst>
+              </a:tr>
+              <a:tr h="470021">
+                <a:tc>
+                  <a:txBody>
+                    <a:bodyPr/>
+                    <a:lstStyle/>
+                    <a:p>
+                      <a:r>
+                        <a:rPr lang="en-GB"/>
+                        <a:t>Ours</a:t>
+                      </a:r>
+                    </a:p>
+                  </a:txBody>
+                  <a:tcPr/>
+                </a:tc>
+                <a:tc>
+                  <a:txBody>
+                    <a:bodyPr/>
+                    <a:lstStyle/>
+                    <a:p>
+                      <a:pPr algn="ctr"/>
+                      <a:r>
+                        <a:rPr lang="en-GB"/>
+                        <a:t>⛌</a:t>
+                      </a:r>
+                    </a:p>
+                  </a:txBody>
+                  <a:tcPr/>
+                </a:tc>
+                <a:tc>
+                  <a:txBody>
+                    <a:bodyPr/>
+                    <a:lstStyle/>
+                    <a:p>
+                      <a:pPr algn="ctr"/>
+                      <a:r>
+                        <a:rPr lang="en-GB"/>
+                        <a:t>0.62</a:t>
+                      </a:r>
+                    </a:p>
+                  </a:txBody>
+                  <a:tcPr/>
+                </a:tc>
+                <a:tc>
+                  <a:txBody>
+                    <a:bodyPr/>
+                    <a:lstStyle/>
+                    <a:p>
+                      <a:pPr algn="ctr"/>
+                      <a:r>
+                        <a:rPr lang="en-GB"/>
+                        <a:t>0.29</a:t>
+                      </a:r>
+                    </a:p>
+                  </a:txBody>
+                  <a:tcPr/>
+                </a:tc>
+                <a:tc>
+                  <a:txBody>
+                    <a:bodyPr/>
+                    <a:lstStyle/>
+                    <a:p>
+                      <a:pPr algn="ctr"/>
+                      <a:r>
+                        <a:rPr lang="en-GB"/>
+                        <a:t>0.40</a:t>
+                      </a:r>
+                    </a:p>
+                  </a:txBody>
+                  <a:tcPr/>
+                </a:tc>
+                <a:tc>
+                  <a:txBody>
+                    <a:bodyPr/>
+                    <a:lstStyle/>
+                    <a:p>
+                      <a:pPr algn="ctr"/>
+                      <a:r>
+                        <a:rPr lang="en-GB"/>
+                        <a:t>Reduced</a:t>
+                      </a:r>
+                    </a:p>
+                  </a:txBody>
+                  <a:tcPr/>
+                </a:tc>
+                <a:extLst>
+                  <a:ext uri="{0D108BD9-81ED-4DB2-BD59-A6C34878D82A}">
+                    <a16:rowId xmlns:a16="http://schemas.microsoft.com/office/drawing/2014/main" val="3567066485"/>
+                  </a:ext>
+                </a:extLst>
+              </a:tr>
+              <a:tr h="470021">
+                <a:tc>
+                  <a:txBody>
+                    <a:bodyPr/>
+                    <a:lstStyle/>
+                    <a:p>
+                      <a:r>
+                        <a:rPr lang="en-GB"/>
+                        <a:t>Baseline</a:t>
+                      </a:r>
+                    </a:p>
+                  </a:txBody>
+                  <a:tcPr/>
+                </a:tc>
+                <a:tc>
+                  <a:txBody>
+                    <a:bodyPr/>
+                    <a:lstStyle/>
+                    <a:p>
+                      <a:pPr algn="ctr"/>
+                      <a:r>
+                        <a:rPr lang="en-GB"/>
+                        <a:t>✓</a:t>
+                      </a:r>
+                    </a:p>
+                  </a:txBody>
+                  <a:tcPr/>
+                </a:tc>
+                <a:tc>
+                  <a:txBody>
+                    <a:bodyPr/>
+                    <a:lstStyle/>
+                    <a:p>
+                      <a:pPr marL="0" marR="0" lvl="0" indent="0" algn="ctr" defTabSz="914400" rtl="0" eaLnBrk="1" fontAlgn="auto" latinLnBrk="0" hangingPunct="1">
+                        <a:lnSpc>
+                          <a:spcPct val="100000"/>
+                        </a:lnSpc>
+                        <a:spcBef>
+                          <a:spcPts val="0"/>
+                        </a:spcBef>
+                        <a:spcAft>
+                          <a:spcPts val="0"/>
+                        </a:spcAft>
+                        <a:buClrTx/>
+                        <a:buSzTx/>
+                        <a:buFontTx/>
+                        <a:buNone/>
+                        <a:tabLst/>
+                        <a:defRPr/>
+                      </a:pPr>
+                      <a:r>
+                        <a:rPr lang="en-GB" b="0">
+                          <a:solidFill>
+                            <a:schemeClr val="tx1"/>
+                          </a:solidFill>
+                        </a:rPr>
+                        <a:t>0.51</a:t>
+                      </a:r>
+                    </a:p>
+                  </a:txBody>
+                  <a:tcPr/>
+                </a:tc>
+                <a:tc>
+                  <a:txBody>
+                    <a:bodyPr/>
+                    <a:lstStyle/>
+                    <a:p>
+                      <a:pPr marL="0" marR="0" lvl="0" indent="0" algn="ctr" defTabSz="914400" rtl="0" eaLnBrk="1" fontAlgn="auto" latinLnBrk="0" hangingPunct="1">
+                        <a:lnSpc>
+                          <a:spcPct val="100000"/>
+                        </a:lnSpc>
+                        <a:spcBef>
+                          <a:spcPts val="0"/>
+                        </a:spcBef>
+                        <a:spcAft>
+                          <a:spcPts val="0"/>
+                        </a:spcAft>
+                        <a:buClrTx/>
+                        <a:buSzTx/>
+                        <a:buFontTx/>
+                        <a:buNone/>
+                        <a:tabLst/>
+                        <a:defRPr/>
+                      </a:pPr>
+                      <a:r>
+                        <a:rPr lang="en-GB" b="0">
+                          <a:solidFill>
+                            <a:schemeClr val="tx1"/>
+                          </a:solidFill>
+                        </a:rPr>
+                        <a:t>0.81</a:t>
+                      </a:r>
+                    </a:p>
+                  </a:txBody>
+                  <a:tcPr/>
+                </a:tc>
+                <a:tc>
+                  <a:txBody>
+                    <a:bodyPr/>
+                    <a:lstStyle/>
+                    <a:p>
+                      <a:pPr marL="0" marR="0" lvl="0" indent="0" algn="ctr" defTabSz="914400" rtl="0" eaLnBrk="1" fontAlgn="auto" latinLnBrk="0" hangingPunct="1">
+                        <a:lnSpc>
+                          <a:spcPct val="100000"/>
+                        </a:lnSpc>
+                        <a:spcBef>
+                          <a:spcPts val="0"/>
+                        </a:spcBef>
+                        <a:spcAft>
+                          <a:spcPts val="0"/>
+                        </a:spcAft>
+                        <a:buClrTx/>
+                        <a:buSzTx/>
+                        <a:buFontTx/>
+                        <a:buNone/>
+                        <a:tabLst/>
+                        <a:defRPr/>
+                      </a:pPr>
+                      <a:r>
+                        <a:rPr lang="en-GB" b="0">
+                          <a:solidFill>
+                            <a:schemeClr val="tx1"/>
+                          </a:solidFill>
+                        </a:rPr>
+                        <a:t>0.63</a:t>
+                      </a:r>
+                    </a:p>
+                  </a:txBody>
+                  <a:tcPr/>
+                </a:tc>
+                <a:tc>
+                  <a:txBody>
+                    <a:bodyPr/>
+                    <a:lstStyle/>
+                    <a:p>
+                      <a:pPr algn="ctr"/>
+                      <a:r>
+                        <a:rPr lang="en-GB"/>
+                        <a:t>All</a:t>
+                      </a:r>
+                    </a:p>
+                  </a:txBody>
+                  <a:tcPr/>
+                </a:tc>
+                <a:extLst>
+                  <a:ext uri="{0D108BD9-81ED-4DB2-BD59-A6C34878D82A}">
+                    <a16:rowId xmlns:a16="http://schemas.microsoft.com/office/drawing/2014/main" val="2047691990"/>
+                  </a:ext>
+                </a:extLst>
+              </a:tr>
+            </a:tbl>
+          </a:graphicData>
+        </a:graphic>
+      </p:graphicFrame>
     </p:spTree>
     <p:extLst>
       <p:ext uri="{BB962C8B-B14F-4D97-AF65-F5344CB8AC3E}">
-        <p14:creationId xmlns:p14="http://schemas.microsoft.com/office/powerpoint/2010/main" val="2084485476"/>
+        <p14:creationId xmlns:p14="http://schemas.microsoft.com/office/powerpoint/2010/main" val="1525223756"/>
       </p:ext>
     </p:extLst>
   </p:cSld>
@@ -10536,7 +11368,7 @@
                 <a:ea typeface="+mj-ea"/>
                 <a:cs typeface="+mj-cs"/>
               </a:rPr>
-              <a:t>Future works</a:t>
+              <a:t>Conclusion</a:t>
             </a:r>
           </a:p>
         </p:txBody>
@@ -10591,7 +11423,7 @@
                 </a:spcAft>
                 <a:defRPr/>
               </a:pPr>
-              <a:t>9/11/24</a:t>
+              <a:t>9/12/24</a:t>
             </a:fld>
             <a:endParaRPr lang="en-US" altLang="it-IT" sz="1200">
               <a:solidFill>
@@ -10711,7 +11543,406 @@
                 <a:latin typeface="+mn-lt"/>
                 <a:ea typeface="+mn-ea"/>
               </a:rPr>
-              <a:t>/17</a:t>
+              <a:t>/18</a:t>
+            </a:r>
+          </a:p>
+        </p:txBody>
+      </p:sp>
+      <p:sp>
+        <p:nvSpPr>
+          <p:cNvPr id="3" name="Segnaposto contenuto 2">
+            <a:extLst>
+              <a:ext uri="{FF2B5EF4-FFF2-40B4-BE49-F238E27FC236}">
+                <a16:creationId xmlns:a16="http://schemas.microsoft.com/office/drawing/2014/main" id="{8C5AA56B-B587-9CE2-636B-92D6E407BE46}"/>
+              </a:ext>
+            </a:extLst>
+          </p:cNvPr>
+          <p:cNvSpPr>
+            <a:spLocks noGrp="1"/>
+          </p:cNvSpPr>
+          <p:nvPr>
+            <p:ph sz="half" idx="2"/>
+          </p:nvPr>
+        </p:nvSpPr>
+        <p:spPr>
+          <a:xfrm>
+            <a:off x="628650" y="1556792"/>
+            <a:ext cx="8263831" cy="4104456"/>
+          </a:xfrm>
+        </p:spPr>
+        <p:txBody>
+          <a:bodyPr/>
+          <a:lstStyle/>
+          <a:p>
+            <a:r>
+              <a:rPr lang="it-IT" sz="2000" b="0" i="0" u="none" strike="noStrike">
+                <a:solidFill>
+                  <a:srgbClr val="000000"/>
+                </a:solidFill>
+                <a:effectLst/>
+                <a:latin typeface="+mj-lt"/>
+              </a:rPr>
+              <a:t>Based on the results, we can conclude that the model performs poorly on positive labels due to significant overfitting, as demonstrated by the Losses. Despite applying regularization techniques such as L2 norm penalization, Dropout, and Data Augmentation, the issue persists, likely due to the limited number of samples extracted in my work, which is insufficient given the large request of data by the implemented model.</a:t>
+            </a:r>
+          </a:p>
+          <a:p>
+            <a:endParaRPr lang="it-IT" sz="2000">
+              <a:latin typeface="+mj-lt"/>
+            </a:endParaRPr>
+          </a:p>
+          <a:p>
+            <a:r>
+              <a:rPr lang="it-IT" sz="2000" b="0" i="0" u="none" strike="noStrike">
+                <a:solidFill>
+                  <a:srgbClr val="000000"/>
+                </a:solidFill>
+                <a:effectLst/>
+                <a:latin typeface="+mj-lt"/>
+              </a:rPr>
+              <a:t>Overfitting appears to be the primary reason for the poor performance.</a:t>
+            </a:r>
+          </a:p>
+          <a:p>
+            <a:endParaRPr lang="en-GB" sz="2000">
+              <a:latin typeface="+mj-lt"/>
+            </a:endParaRPr>
+          </a:p>
+          <a:p>
+            <a:r>
+              <a:rPr lang="it-IT" sz="2000" b="0" i="0" u="none" strike="noStrike">
+                <a:solidFill>
+                  <a:srgbClr val="000000"/>
+                </a:solidFill>
+                <a:effectLst/>
+                <a:latin typeface="+mj-lt"/>
+              </a:rPr>
+              <a:t>Although i wanted to use cross-validation to perform a more reliable evaluation, it is impractical to apply it to this dataset given my available resources.</a:t>
+            </a:r>
+            <a:endParaRPr lang="en-GB" sz="2000">
+              <a:latin typeface="+mj-lt"/>
+            </a:endParaRPr>
+          </a:p>
+        </p:txBody>
+      </p:sp>
+    </p:spTree>
+    <p:extLst>
+      <p:ext uri="{BB962C8B-B14F-4D97-AF65-F5344CB8AC3E}">
+        <p14:creationId xmlns:p14="http://schemas.microsoft.com/office/powerpoint/2010/main" val="2084485476"/>
+      </p:ext>
+    </p:extLst>
+  </p:cSld>
+  <p:clrMapOvr>
+    <a:masterClrMapping/>
+  </p:clrMapOvr>
+</p:sld>
+</file>
+
+<file path=ppt/slides/slide18.xml><?xml version="1.0" encoding="utf-8"?>
+<p:sld xmlns:a="http://schemas.openxmlformats.org/drawingml/2006/main" xmlns:r="http://schemas.openxmlformats.org/officeDocument/2006/relationships" xmlns:p="http://schemas.openxmlformats.org/presentationml/2006/main">
+  <p:cSld>
+    <p:bg>
+      <p:bgPr>
+        <a:solidFill>
+          <a:schemeClr val="bg1"/>
+        </a:solidFill>
+        <a:effectLst/>
+      </p:bgPr>
+    </p:bg>
+    <p:spTree>
+      <p:nvGrpSpPr>
+        <p:cNvPr id="1" name=""/>
+        <p:cNvGrpSpPr/>
+        <p:nvPr/>
+      </p:nvGrpSpPr>
+      <p:grpSpPr>
+        <a:xfrm>
+          <a:off x="0" y="0"/>
+          <a:ext cx="0" cy="0"/>
+          <a:chOff x="0" y="0"/>
+          <a:chExt cx="0" cy="0"/>
+        </a:xfrm>
+      </p:grpSpPr>
+      <p:sp>
+        <p:nvSpPr>
+          <p:cNvPr id="19" name="Rectangle 18">
+            <a:extLst>
+              <a:ext uri="{FF2B5EF4-FFF2-40B4-BE49-F238E27FC236}">
+                <a16:creationId xmlns:a16="http://schemas.microsoft.com/office/drawing/2014/main" id="{A4AC5506-6312-4701-8D3C-40187889A947}"/>
+              </a:ext>
+              <a:ext uri="{C183D7F6-B498-43B3-948B-1728B52AA6E4}">
+                <adec:decorative xmlns:adec="http://schemas.microsoft.com/office/drawing/2017/decorative" val="1"/>
+              </a:ext>
+            </a:extLst>
+          </p:cNvPr>
+          <p:cNvSpPr>
+            <a:spLocks noGrp="1" noRot="1" noChangeAspect="1" noMove="1" noResize="1" noEditPoints="1" noAdjustHandles="1" noChangeArrowheads="1" noChangeShapeType="1" noTextEdit="1"/>
+          </p:cNvSpPr>
+          <p:nvPr>
+            <p:extLst>
+              <p:ext uri="{386F3935-93C4-4BCD-93E2-E3B085C9AB24}">
+                <p16:designElem xmlns:p16="http://schemas.microsoft.com/office/powerpoint/2015/main" val="1"/>
+              </p:ext>
+            </p:extLst>
+          </p:nvPr>
+        </p:nvSpPr>
+        <p:spPr>
+          <a:xfrm>
+            <a:off x="0" y="651752"/>
+            <a:ext cx="9144000" cy="736551"/>
+          </a:xfrm>
+          <a:prstGeom prst="rect">
+            <a:avLst/>
+          </a:prstGeom>
+          <a:solidFill>
+            <a:schemeClr val="tx1"/>
+          </a:solidFill>
+          <a:ln>
+            <a:noFill/>
+          </a:ln>
+        </p:spPr>
+        <p:style>
+          <a:lnRef idx="2">
+            <a:schemeClr val="accent1">
+              <a:shade val="50000"/>
+            </a:schemeClr>
+          </a:lnRef>
+          <a:fillRef idx="1">
+            <a:schemeClr val="accent1"/>
+          </a:fillRef>
+          <a:effectRef idx="0">
+            <a:schemeClr val="accent1"/>
+          </a:effectRef>
+          <a:fontRef idx="minor">
+            <a:schemeClr val="lt1"/>
+          </a:fontRef>
+        </p:style>
+        <p:txBody>
+          <a:bodyPr rtlCol="0" anchor="ctr"/>
+          <a:lstStyle/>
+          <a:p>
+            <a:pPr algn="ctr"/>
+            <a:endParaRPr lang="en-US"/>
+          </a:p>
+        </p:txBody>
+      </p:sp>
+      <p:sp>
+        <p:nvSpPr>
+          <p:cNvPr id="2" name="Titolo 1">
+            <a:extLst>
+              <a:ext uri="{FF2B5EF4-FFF2-40B4-BE49-F238E27FC236}">
+                <a16:creationId xmlns:a16="http://schemas.microsoft.com/office/drawing/2014/main" id="{E7FC51EC-3E39-F27C-8A87-940636C7B9C0}"/>
+              </a:ext>
+            </a:extLst>
+          </p:cNvPr>
+          <p:cNvSpPr>
+            <a:spLocks noGrp="1"/>
+          </p:cNvSpPr>
+          <p:nvPr>
+            <p:ph type="title"/>
+          </p:nvPr>
+        </p:nvSpPr>
+        <p:spPr>
+          <a:xfrm>
+            <a:off x="417399" y="643467"/>
+            <a:ext cx="8408193" cy="744836"/>
+          </a:xfrm>
+        </p:spPr>
+        <p:txBody>
+          <a:bodyPr vert="horz" lIns="91440" tIns="45720" rIns="91440" bIns="45720" rtlCol="0" anchor="ctr">
+            <a:normAutofit/>
+          </a:bodyPr>
+          <a:lstStyle/>
+          <a:p>
+            <a:pPr algn="ctr" eaLnBrk="1" hangingPunct="1">
+              <a:lnSpc>
+                <a:spcPct val="90000"/>
+              </a:lnSpc>
+            </a:pPr>
+            <a:r>
+              <a:rPr lang="en-US" sz="2800" kern="1200">
+                <a:solidFill>
+                  <a:schemeClr val="bg1"/>
+                </a:solidFill>
+                <a:latin typeface="+mj-lt"/>
+                <a:ea typeface="+mj-ea"/>
+                <a:cs typeface="+mj-cs"/>
+              </a:rPr>
+              <a:t>Future works</a:t>
+            </a:r>
+          </a:p>
+        </p:txBody>
+      </p:sp>
+      <p:sp>
+        <p:nvSpPr>
+          <p:cNvPr id="5" name="Segnaposto data 4">
+            <a:extLst>
+              <a:ext uri="{FF2B5EF4-FFF2-40B4-BE49-F238E27FC236}">
+                <a16:creationId xmlns:a16="http://schemas.microsoft.com/office/drawing/2014/main" id="{ADEF3818-1846-D473-7789-CF1AFDF83693}"/>
+              </a:ext>
+            </a:extLst>
+          </p:cNvPr>
+          <p:cNvSpPr>
+            <a:spLocks noGrp="1"/>
+          </p:cNvSpPr>
+          <p:nvPr>
+            <p:ph type="dt" sz="half" idx="10"/>
+          </p:nvPr>
+        </p:nvSpPr>
+        <p:spPr>
+          <a:xfrm>
+            <a:off x="628650" y="6356350"/>
+            <a:ext cx="2057400" cy="365125"/>
+          </a:xfrm>
+        </p:spPr>
+        <p:txBody>
+          <a:bodyPr vert="horz" lIns="91440" tIns="45720" rIns="91440" bIns="45720" rtlCol="0" anchor="ctr">
+            <a:normAutofit/>
+          </a:bodyPr>
+          <a:lstStyle/>
+          <a:p>
+            <a:pPr algn="l" eaLnBrk="1" hangingPunct="1">
+              <a:spcAft>
+                <a:spcPts val="600"/>
+              </a:spcAft>
+              <a:defRPr/>
+            </a:pPr>
+            <a:fld id="{ECCDD29B-5564-8A49-9245-BCE2B87F399F}" type="datetime1">
+              <a:rPr lang="en-US" altLang="it-IT" sz="1200">
+                <a:solidFill>
+                  <a:schemeClr val="tx1">
+                    <a:tint val="75000"/>
+                  </a:schemeClr>
+                </a:solidFill>
+                <a:latin typeface="+mn-lt"/>
+                <a:ea typeface="+mn-ea"/>
+              </a:rPr>
+              <a:pPr algn="l" eaLnBrk="1" hangingPunct="1">
+                <a:spcAft>
+                  <a:spcPts val="600"/>
+                </a:spcAft>
+                <a:defRPr/>
+              </a:pPr>
+              <a:t>9/12/24</a:t>
+            </a:fld>
+            <a:endParaRPr lang="en-US" altLang="it-IT" sz="1200">
+              <a:solidFill>
+                <a:schemeClr val="tx1">
+                  <a:tint val="75000"/>
+                </a:schemeClr>
+              </a:solidFill>
+              <a:latin typeface="+mn-lt"/>
+              <a:ea typeface="+mn-ea"/>
+            </a:endParaRPr>
+          </a:p>
+        </p:txBody>
+      </p:sp>
+      <p:sp>
+        <p:nvSpPr>
+          <p:cNvPr id="6" name="Segnaposto piè di pagina 5">
+            <a:extLst>
+              <a:ext uri="{FF2B5EF4-FFF2-40B4-BE49-F238E27FC236}">
+                <a16:creationId xmlns:a16="http://schemas.microsoft.com/office/drawing/2014/main" id="{EE6FF03C-BDD2-F920-7465-4F04778E0A0E}"/>
+              </a:ext>
+            </a:extLst>
+          </p:cNvPr>
+          <p:cNvSpPr>
+            <a:spLocks noGrp="1"/>
+          </p:cNvSpPr>
+          <p:nvPr>
+            <p:ph type="ftr" sz="quarter" idx="11"/>
+          </p:nvPr>
+        </p:nvSpPr>
+        <p:spPr>
+          <a:xfrm>
+            <a:off x="3028950" y="6356350"/>
+            <a:ext cx="3086100" cy="365125"/>
+          </a:xfrm>
+        </p:spPr>
+        <p:txBody>
+          <a:bodyPr vert="horz" lIns="91440" tIns="45720" rIns="91440" bIns="45720" rtlCol="0" anchor="ctr">
+            <a:normAutofit fontScale="92500" lnSpcReduction="20000"/>
+          </a:bodyPr>
+          <a:lstStyle/>
+          <a:p>
+            <a:pPr algn="l">
+              <a:buNone/>
+            </a:pPr>
+            <a:r>
+              <a:rPr lang="it-IT" sz="1200" i="0" u="none" strike="noStrike">
+                <a:solidFill>
+                  <a:srgbClr val="AD8C8F"/>
+                </a:solidFill>
+                <a:effectLst/>
+                <a:latin typeface="+mj-lt"/>
+              </a:rPr>
+              <a:t>Pedestrian Intention Estimation on JAAD Dataset</a:t>
+            </a:r>
+          </a:p>
+        </p:txBody>
+      </p:sp>
+      <p:sp>
+        <p:nvSpPr>
+          <p:cNvPr id="7" name="Segnaposto numero diapositiva 6">
+            <a:extLst>
+              <a:ext uri="{FF2B5EF4-FFF2-40B4-BE49-F238E27FC236}">
+                <a16:creationId xmlns:a16="http://schemas.microsoft.com/office/drawing/2014/main" id="{1211CFCE-A212-EFA6-4219-AAE96BF854C5}"/>
+              </a:ext>
+            </a:extLst>
+          </p:cNvPr>
+          <p:cNvSpPr>
+            <a:spLocks noGrp="1"/>
+          </p:cNvSpPr>
+          <p:nvPr>
+            <p:ph type="sldNum" sz="quarter" idx="12"/>
+          </p:nvPr>
+        </p:nvSpPr>
+        <p:spPr>
+          <a:xfrm>
+            <a:off x="6457950" y="6356350"/>
+            <a:ext cx="2057400" cy="365125"/>
+          </a:xfrm>
+        </p:spPr>
+        <p:txBody>
+          <a:bodyPr vert="horz" lIns="91440" tIns="45720" rIns="91440" bIns="45720" rtlCol="0" anchor="ctr">
+            <a:normAutofit/>
+          </a:bodyPr>
+          <a:lstStyle/>
+          <a:p>
+            <a:pPr eaLnBrk="1" hangingPunct="1">
+              <a:spcAft>
+                <a:spcPts val="600"/>
+              </a:spcAft>
+              <a:defRPr/>
+            </a:pPr>
+            <a:fld id="{762A9829-782D-E84D-9C3C-F8B9D6EBA4DD}" type="slidenum">
+              <a:rPr lang="en-US" altLang="it-IT" sz="1200" smtClean="0">
+                <a:solidFill>
+                  <a:schemeClr val="tx1">
+                    <a:tint val="75000"/>
+                  </a:schemeClr>
+                </a:solidFill>
+                <a:latin typeface="+mn-lt"/>
+                <a:ea typeface="+mn-ea"/>
+              </a:rPr>
+              <a:pPr eaLnBrk="1" hangingPunct="1">
+                <a:spcAft>
+                  <a:spcPts val="600"/>
+                </a:spcAft>
+                <a:defRPr/>
+              </a:pPr>
+              <a:t>18</a:t>
+            </a:fld>
+            <a:r>
+              <a:rPr lang="en-US" altLang="it-IT" sz="1200">
+                <a:solidFill>
+                  <a:schemeClr val="tx1">
+                    <a:tint val="75000"/>
+                  </a:schemeClr>
+                </a:solidFill>
+                <a:latin typeface="+mn-lt"/>
+                <a:ea typeface="+mn-ea"/>
+              </a:rPr>
+              <a:t>/18</a:t>
             </a:r>
           </a:p>
         </p:txBody>
@@ -10961,7 +12192,7 @@
                 </a:spcAft>
                 <a:defRPr/>
               </a:pPr>
-              <a:t>9/11/24</a:t>
+              <a:t>9/12/24</a:t>
             </a:fld>
             <a:endParaRPr lang="en-US" altLang="it-IT" sz="1200">
               <a:solidFill>
@@ -11081,7 +12312,7 @@
                 <a:latin typeface="+mn-lt"/>
                 <a:ea typeface="+mn-ea"/>
               </a:rPr>
-              <a:t>/17</a:t>
+              <a:t>/18</a:t>
             </a:r>
           </a:p>
         </p:txBody>
@@ -11356,7 +12587,7 @@
                 </a:spcAft>
                 <a:defRPr/>
               </a:pPr>
-              <a:t>9/11/24</a:t>
+              <a:t>9/12/24</a:t>
             </a:fld>
             <a:endParaRPr lang="en-US" altLang="it-IT" sz="1200">
               <a:solidFill>
@@ -11476,7 +12707,7 @@
                 <a:latin typeface="+mn-lt"/>
                 <a:ea typeface="+mn-ea"/>
               </a:rPr>
-              <a:t>/17</a:t>
+              <a:t>/18</a:t>
             </a:r>
           </a:p>
         </p:txBody>
@@ -11789,7 +13020,7 @@
                 </a:spcAft>
                 <a:defRPr/>
               </a:pPr>
-              <a:t>9/11/24</a:t>
+              <a:t>9/12/24</a:t>
             </a:fld>
             <a:endParaRPr lang="en-US" altLang="it-IT" sz="1200">
               <a:solidFill>
@@ -11909,7 +13140,7 @@
                 <a:latin typeface="+mn-lt"/>
                 <a:ea typeface="+mn-ea"/>
               </a:rPr>
-              <a:t>/17</a:t>
+              <a:t>/18</a:t>
             </a:r>
           </a:p>
         </p:txBody>
@@ -12224,7 +13455,7 @@
                 </a:spcAft>
                 <a:defRPr/>
               </a:pPr>
-              <a:t>9/11/24</a:t>
+              <a:t>9/12/24</a:t>
             </a:fld>
             <a:endParaRPr lang="en-US" altLang="it-IT" sz="1200">
               <a:solidFill>
@@ -12344,7 +13575,7 @@
                 <a:latin typeface="+mn-lt"/>
                 <a:ea typeface="+mn-ea"/>
               </a:rPr>
-              <a:t>/17</a:t>
+              <a:t>/18</a:t>
             </a:r>
           </a:p>
         </p:txBody>
@@ -12696,7 +13927,7 @@
                 </a:spcAft>
                 <a:defRPr/>
               </a:pPr>
-              <a:t>9/11/24</a:t>
+              <a:t>9/12/24</a:t>
             </a:fld>
             <a:endParaRPr lang="en-US" altLang="it-IT" sz="1200">
               <a:solidFill>
@@ -12816,7 +14047,7 @@
                 <a:latin typeface="+mn-lt"/>
                 <a:ea typeface="+mn-ea"/>
               </a:rPr>
-              <a:t>/17</a:t>
+              <a:t>/18</a:t>
             </a:r>
           </a:p>
         </p:txBody>
@@ -13102,7 +14333,7 @@
                 </a:spcAft>
                 <a:defRPr/>
               </a:pPr>
-              <a:t>9/11/24</a:t>
+              <a:t>9/12/24</a:t>
             </a:fld>
             <a:endParaRPr lang="en-US" altLang="it-IT" sz="1200">
               <a:solidFill>
@@ -13222,7 +14453,7 @@
                 <a:latin typeface="+mn-lt"/>
                 <a:ea typeface="+mn-ea"/>
               </a:rPr>
-              <a:t>/17</a:t>
+              <a:t>/18</a:t>
             </a:r>
           </a:p>
         </p:txBody>
@@ -13512,7 +14743,7 @@
                 </a:spcAft>
                 <a:defRPr/>
               </a:pPr>
-              <a:t>9/11/24</a:t>
+              <a:t>9/12/24</a:t>
             </a:fld>
             <a:endParaRPr lang="en-US" altLang="it-IT" sz="1200">
               <a:solidFill>
@@ -13632,7 +14863,7 @@
                 <a:latin typeface="+mn-lt"/>
                 <a:ea typeface="+mn-ea"/>
               </a:rPr>
-              <a:t>/17</a:t>
+              <a:t>/18</a:t>
             </a:r>
           </a:p>
         </p:txBody>
@@ -13863,8 +15094,8 @@
           </a:p>
         </p:txBody>
       </p:sp>
-      <mc:AlternateContent xmlns:mc="http://schemas.openxmlformats.org/markup-compatibility/2006">
-        <mc:Choice xmlns:a14="http://schemas.microsoft.com/office/drawing/2010/main" Requires="a14">
+      <mc:AlternateContent xmlns:mc="http://schemas.openxmlformats.org/markup-compatibility/2006" xmlns:a14="http://schemas.microsoft.com/office/drawing/2010/main">
+        <mc:Choice Requires="a14">
           <p:sp>
             <p:nvSpPr>
               <p:cNvPr id="14" name="CasellaDiTesto 13">
@@ -13893,6 +15124,7 @@
               </a:bodyPr>
               <a:lstStyle/>
               <a:p>
+                <a:pPr/>
                 <a14:m>
                   <m:oMathPara xmlns:m="http://schemas.openxmlformats.org/officeDocument/2006/math">
                     <m:oMathParaPr>
@@ -13902,7 +15134,7 @@
                       <m:f>
                         <m:fPr>
                           <m:ctrlPr>
-                            <a:rPr lang="en-GB" sz="700" b="1">
+                            <a:rPr lang="en-GB" sz="700" b="1" i="1">
                               <a:solidFill>
                                 <a:srgbClr val="000000"/>
                               </a:solidFill>
@@ -13941,7 +15173,7 @@
             </p:txBody>
           </p:sp>
         </mc:Choice>
-        <mc:Fallback>
+        <mc:Fallback xmlns="">
           <p:sp>
             <p:nvSpPr>
               <p:cNvPr id="14" name="CasellaDiTesto 13">
@@ -14184,7 +15416,7 @@
                 </a:spcAft>
                 <a:defRPr/>
               </a:pPr>
-              <a:t>9/11/24</a:t>
+              <a:t>9/12/24</a:t>
             </a:fld>
             <a:endParaRPr lang="en-US" altLang="it-IT" sz="1200">
               <a:solidFill>
@@ -14304,7 +15536,7 @@
                 <a:latin typeface="+mn-lt"/>
                 <a:ea typeface="+mn-ea"/>
               </a:rPr>
-              <a:t>/17</a:t>
+              <a:t>/18</a:t>
             </a:r>
           </a:p>
         </p:txBody>
